--- a/online_store.pptx
+++ b/online_store.pptx
@@ -7,8 +7,15 @@
   <p:sldIdLst>
     <p:sldId id="256" r:id="rId2"/>
     <p:sldId id="257" r:id="rId3"/>
-    <p:sldId id="258" r:id="rId4"/>
-    <p:sldId id="259" r:id="rId5"/>
+    <p:sldId id="260" r:id="rId4"/>
+    <p:sldId id="263" r:id="rId5"/>
+    <p:sldId id="264" r:id="rId6"/>
+    <p:sldId id="262" r:id="rId7"/>
+    <p:sldId id="261" r:id="rId8"/>
+    <p:sldId id="265" r:id="rId9"/>
+    <p:sldId id="266" r:id="rId10"/>
+    <p:sldId id="258" r:id="rId11"/>
+    <p:sldId id="259" r:id="rId12"/>
   </p:sldIdLst>
   <p:sldSz cx="12192000" cy="6858000"/>
   <p:notesSz cx="6858000" cy="9144000"/>
@@ -107,6 +114,11 @@
       </a:defRPr>
     </a:lvl9pPr>
   </p:defaultTextStyle>
+  <p:extLst>
+    <p:ext uri="{EFAFB233-063F-42B5-8137-9DF3F51BA10A}">
+      <p15:sldGuideLst xmlns:p15="http://schemas.microsoft.com/office/powerpoint/2012/main"/>
+    </p:ext>
+  </p:extLst>
 </p:presentation>
 </file>
 
@@ -278,7 +290,7 @@
           <a:p>
             <a:fld id="{5702068F-7570-482E-8EDC-16AF11645D19}" type="datetimeFigureOut">
               <a:rPr lang="ru-RU" smtClean="0"/>
-              <a:t>07.11.2021</a:t>
+              <a:t>12.11.2021</a:t>
             </a:fld>
             <a:endParaRPr lang="ru-RU"/>
           </a:p>
@@ -506,7 +518,7 @@
           <a:p>
             <a:fld id="{5702068F-7570-482E-8EDC-16AF11645D19}" type="datetimeFigureOut">
               <a:rPr lang="ru-RU" smtClean="0"/>
-              <a:t>07.11.2021</a:t>
+              <a:t>12.11.2021</a:t>
             </a:fld>
             <a:endParaRPr lang="ru-RU"/>
           </a:p>
@@ -686,7 +698,7 @@
           <a:p>
             <a:fld id="{5702068F-7570-482E-8EDC-16AF11645D19}" type="datetimeFigureOut">
               <a:rPr lang="ru-RU" smtClean="0"/>
-              <a:t>07.11.2021</a:t>
+              <a:t>12.11.2021</a:t>
             </a:fld>
             <a:endParaRPr lang="ru-RU"/>
           </a:p>
@@ -856,7 +868,7 @@
           <a:p>
             <a:fld id="{5702068F-7570-482E-8EDC-16AF11645D19}" type="datetimeFigureOut">
               <a:rPr lang="ru-RU" smtClean="0"/>
-              <a:t>07.11.2021</a:t>
+              <a:t>12.11.2021</a:t>
             </a:fld>
             <a:endParaRPr lang="ru-RU"/>
           </a:p>
@@ -1110,7 +1122,7 @@
           <a:p>
             <a:fld id="{5702068F-7570-482E-8EDC-16AF11645D19}" type="datetimeFigureOut">
               <a:rPr lang="ru-RU" smtClean="0"/>
-              <a:t>07.11.2021</a:t>
+              <a:t>12.11.2021</a:t>
             </a:fld>
             <a:endParaRPr lang="ru-RU"/>
           </a:p>
@@ -1436,7 +1448,7 @@
           <a:p>
             <a:fld id="{5702068F-7570-482E-8EDC-16AF11645D19}" type="datetimeFigureOut">
               <a:rPr lang="ru-RU" smtClean="0"/>
-              <a:t>07.11.2021</a:t>
+              <a:t>12.11.2021</a:t>
             </a:fld>
             <a:endParaRPr lang="ru-RU"/>
           </a:p>
@@ -1892,7 +1904,7 @@
           <a:p>
             <a:fld id="{5702068F-7570-482E-8EDC-16AF11645D19}" type="datetimeFigureOut">
               <a:rPr lang="ru-RU" smtClean="0"/>
-              <a:t>07.11.2021</a:t>
+              <a:t>12.11.2021</a:t>
             </a:fld>
             <a:endParaRPr lang="ru-RU"/>
           </a:p>
@@ -2015,7 +2027,7 @@
           <a:p>
             <a:fld id="{5702068F-7570-482E-8EDC-16AF11645D19}" type="datetimeFigureOut">
               <a:rPr lang="ru-RU" smtClean="0"/>
-              <a:t>07.11.2021</a:t>
+              <a:t>12.11.2021</a:t>
             </a:fld>
             <a:endParaRPr lang="ru-RU"/>
           </a:p>
@@ -2110,7 +2122,7 @@
           <a:p>
             <a:fld id="{5702068F-7570-482E-8EDC-16AF11645D19}" type="datetimeFigureOut">
               <a:rPr lang="ru-RU" smtClean="0"/>
-              <a:t>07.11.2021</a:t>
+              <a:t>12.11.2021</a:t>
             </a:fld>
             <a:endParaRPr lang="ru-RU"/>
           </a:p>
@@ -2397,7 +2409,7 @@
           <a:p>
             <a:fld id="{5702068F-7570-482E-8EDC-16AF11645D19}" type="datetimeFigureOut">
               <a:rPr lang="ru-RU" smtClean="0"/>
-              <a:t>07.11.2021</a:t>
+              <a:t>12.11.2021</a:t>
             </a:fld>
             <a:endParaRPr lang="ru-RU"/>
           </a:p>
@@ -2724,7 +2736,7 @@
           <a:p>
             <a:fld id="{5702068F-7570-482E-8EDC-16AF11645D19}" type="datetimeFigureOut">
               <a:rPr lang="ru-RU" smtClean="0"/>
-              <a:t>07.11.2021</a:t>
+              <a:t>12.11.2021</a:t>
             </a:fld>
             <a:endParaRPr lang="ru-RU"/>
           </a:p>
@@ -2978,7 +2990,7 @@
           <a:p>
             <a:fld id="{5702068F-7570-482E-8EDC-16AF11645D19}" type="datetimeFigureOut">
               <a:rPr lang="ru-RU" smtClean="0"/>
-              <a:t>07.11.2021</a:t>
+              <a:t>12.11.2021</a:t>
             </a:fld>
             <a:endParaRPr lang="ru-RU"/>
           </a:p>
@@ -3535,6 +3547,282 @@
   <p:clrMapOvr>
     <a:masterClrMapping/>
   </p:clrMapOvr>
+  <p:timing>
+    <p:tnLst>
+      <p:par>
+        <p:cTn id="1" dur="indefinite" restart="never" nodeType="tmRoot"/>
+      </p:par>
+    </p:tnLst>
+  </p:timing>
+</p:sld>
+</file>
+
+<file path=ppt/slides/slide10.xml><?xml version="1.0" encoding="utf-8"?>
+<p:sld xmlns:a="http://schemas.openxmlformats.org/drawingml/2006/main" xmlns:r="http://schemas.openxmlformats.org/officeDocument/2006/relationships" xmlns:p="http://schemas.openxmlformats.org/presentationml/2006/main">
+  <p:cSld>
+    <p:spTree>
+      <p:nvGrpSpPr>
+        <p:cNvPr id="1" name=""/>
+        <p:cNvGrpSpPr/>
+        <p:nvPr/>
+      </p:nvGrpSpPr>
+      <p:grpSpPr>
+        <a:xfrm>
+          <a:off x="0" y="0"/>
+          <a:ext cx="0" cy="0"/>
+          <a:chOff x="0" y="0"/>
+          <a:chExt cx="0" cy="0"/>
+        </a:xfrm>
+      </p:grpSpPr>
+      <p:sp>
+        <p:nvSpPr>
+          <p:cNvPr id="2" name="Заголовок 1"/>
+          <p:cNvSpPr>
+            <a:spLocks noGrp="1"/>
+          </p:cNvSpPr>
+          <p:nvPr>
+            <p:ph type="title"/>
+          </p:nvPr>
+        </p:nvSpPr>
+        <p:spPr>
+          <a:xfrm>
+            <a:off x="886691" y="0"/>
+            <a:ext cx="9804585" cy="1303395"/>
+          </a:xfrm>
+        </p:spPr>
+        <p:txBody>
+          <a:bodyPr/>
+          <a:lstStyle/>
+          <a:p>
+            <a:r>
+              <a:rPr lang="ru-RU" dirty="0" smtClean="0"/>
+              <a:t>Изученные технологии</a:t>
+            </a:r>
+            <a:endParaRPr lang="ru-RU" dirty="0"/>
+          </a:p>
+        </p:txBody>
+      </p:sp>
+      <p:sp>
+        <p:nvSpPr>
+          <p:cNvPr id="3" name="Объект 2"/>
+          <p:cNvSpPr>
+            <a:spLocks noGrp="1"/>
+          </p:cNvSpPr>
+          <p:nvPr>
+            <p:ph idx="1"/>
+          </p:nvPr>
+        </p:nvSpPr>
+        <p:spPr>
+          <a:xfrm>
+            <a:off x="679982" y="1745673"/>
+            <a:ext cx="4418492" cy="4351337"/>
+          </a:xfrm>
+        </p:spPr>
+        <p:txBody>
+          <a:bodyPr/>
+          <a:lstStyle/>
+          <a:p>
+            <a:pPr marL="0" indent="0">
+              <a:buNone/>
+            </a:pPr>
+            <a:r>
+              <a:rPr lang="ru-RU" b="1" dirty="0" smtClean="0"/>
+              <a:t>В </a:t>
+            </a:r>
+            <a:r>
+              <a:rPr lang="ru-RU" b="1" dirty="0" smtClean="0"/>
+              <a:t>моем проекте использованы все изученные технологии, а именно работа с несколькими формами окон, таблицами </a:t>
+            </a:r>
+            <a:r>
+              <a:rPr lang="en-US" b="1" dirty="0" smtClean="0"/>
+              <a:t>SQL</a:t>
+            </a:r>
+            <a:r>
+              <a:rPr lang="ru-RU" b="1" dirty="0" smtClean="0"/>
+              <a:t>, файлами </a:t>
+            </a:r>
+            <a:r>
+              <a:rPr lang="en-US" b="1" dirty="0" smtClean="0"/>
+              <a:t>txt</a:t>
+            </a:r>
+            <a:r>
+              <a:rPr lang="ru-RU" b="1" dirty="0" smtClean="0"/>
+              <a:t>, использование изученных и других </a:t>
+            </a:r>
+            <a:r>
+              <a:rPr lang="ru-RU" b="1" dirty="0" err="1" smtClean="0"/>
+              <a:t>виджетов</a:t>
+            </a:r>
+            <a:r>
+              <a:rPr lang="ru-RU" b="1" dirty="0" smtClean="0"/>
+              <a:t>, диалоговые окна, картинки, а также создание </a:t>
+            </a:r>
+            <a:r>
+              <a:rPr lang="en-US" b="1" dirty="0" smtClean="0"/>
+              <a:t>exe </a:t>
+            </a:r>
+            <a:r>
+              <a:rPr lang="ru-RU" b="1" dirty="0" smtClean="0"/>
+              <a:t>расширения файла</a:t>
+            </a:r>
+            <a:endParaRPr lang="ru-RU" b="1" dirty="0"/>
+          </a:p>
+        </p:txBody>
+      </p:sp>
+      <p:pic>
+        <p:nvPicPr>
+          <p:cNvPr id="4" name="Рисунок 3"/>
+          <p:cNvPicPr>
+            <a:picLocks noChangeAspect="1"/>
+          </p:cNvPicPr>
+          <p:nvPr/>
+        </p:nvPicPr>
+        <p:blipFill>
+          <a:blip r:embed="rId2"/>
+          <a:stretch>
+            <a:fillRect/>
+          </a:stretch>
+        </p:blipFill>
+        <p:spPr>
+          <a:xfrm>
+            <a:off x="5221900" y="2452254"/>
+            <a:ext cx="5898865" cy="4045470"/>
+          </a:xfrm>
+          <a:prstGeom prst="rect">
+            <a:avLst/>
+          </a:prstGeom>
+        </p:spPr>
+      </p:pic>
+    </p:spTree>
+    <p:extLst>
+      <p:ext uri="{BB962C8B-B14F-4D97-AF65-F5344CB8AC3E}">
+        <p14:creationId xmlns:p14="http://schemas.microsoft.com/office/powerpoint/2010/main" val="1224060843"/>
+      </p:ext>
+    </p:extLst>
+  </p:cSld>
+  <p:clrMapOvr>
+    <a:masterClrMapping/>
+  </p:clrMapOvr>
+  <p:timing>
+    <p:tnLst>
+      <p:par>
+        <p:cTn id="1" dur="indefinite" restart="never" nodeType="tmRoot"/>
+      </p:par>
+    </p:tnLst>
+  </p:timing>
+</p:sld>
+</file>
+
+<file path=ppt/slides/slide11.xml><?xml version="1.0" encoding="utf-8"?>
+<p:sld xmlns:a="http://schemas.openxmlformats.org/drawingml/2006/main" xmlns:r="http://schemas.openxmlformats.org/officeDocument/2006/relationships" xmlns:p="http://schemas.openxmlformats.org/presentationml/2006/main">
+  <p:cSld>
+    <p:spTree>
+      <p:nvGrpSpPr>
+        <p:cNvPr id="1" name=""/>
+        <p:cNvGrpSpPr/>
+        <p:nvPr/>
+      </p:nvGrpSpPr>
+      <p:grpSpPr>
+        <a:xfrm>
+          <a:off x="0" y="0"/>
+          <a:ext cx="0" cy="0"/>
+          <a:chOff x="0" y="0"/>
+          <a:chExt cx="0" cy="0"/>
+        </a:xfrm>
+      </p:grpSpPr>
+      <p:sp>
+        <p:nvSpPr>
+          <p:cNvPr id="2" name="Заголовок 1"/>
+          <p:cNvSpPr>
+            <a:spLocks noGrp="1"/>
+          </p:cNvSpPr>
+          <p:nvPr>
+            <p:ph type="title"/>
+          </p:nvPr>
+        </p:nvSpPr>
+        <p:spPr/>
+        <p:txBody>
+          <a:bodyPr/>
+          <a:lstStyle/>
+          <a:p>
+            <a:r>
+              <a:rPr lang="ru-RU" dirty="0" smtClean="0"/>
+              <a:t>Заключение	</a:t>
+            </a:r>
+            <a:endParaRPr lang="ru-RU" dirty="0"/>
+          </a:p>
+        </p:txBody>
+      </p:sp>
+      <p:sp>
+        <p:nvSpPr>
+          <p:cNvPr id="3" name="Объект 2"/>
+          <p:cNvSpPr>
+            <a:spLocks noGrp="1"/>
+          </p:cNvSpPr>
+          <p:nvPr>
+            <p:ph idx="1"/>
+          </p:nvPr>
+        </p:nvSpPr>
+        <p:spPr/>
+        <p:txBody>
+          <a:bodyPr/>
+          <a:lstStyle/>
+          <a:p>
+            <a:r>
+              <a:rPr lang="ru-RU" dirty="0" smtClean="0"/>
+              <a:t>В процессе создания проекта я повторил </a:t>
+            </a:r>
+            <a:r>
+              <a:rPr lang="ru-RU" dirty="0"/>
+              <a:t>изученное </a:t>
+            </a:r>
+            <a:r>
+              <a:rPr lang="ru-RU" dirty="0" smtClean="0"/>
+              <a:t>ранее, научился работать с новыми </a:t>
+            </a:r>
+            <a:r>
+              <a:rPr lang="ru-RU" dirty="0" err="1" smtClean="0"/>
+              <a:t>виджетами</a:t>
+            </a:r>
+            <a:r>
+              <a:rPr lang="ru-RU" dirty="0" smtClean="0"/>
+              <a:t>, создавать дизайн приложения, структуру проекта. </a:t>
+            </a:r>
+          </a:p>
+          <a:p>
+            <a:r>
+              <a:rPr lang="ru-RU" dirty="0" smtClean="0"/>
+              <a:t>В будущем я бы хотел создавать более сложные структуры баз данных, использовать не изученные ранее </a:t>
+            </a:r>
+            <a:r>
+              <a:rPr lang="ru-RU" dirty="0" err="1" smtClean="0"/>
+              <a:t>виджеты</a:t>
+            </a:r>
+            <a:r>
+              <a:rPr lang="ru-RU" dirty="0" smtClean="0"/>
+              <a:t> и строить еще более сложную структуру проекта, разделённую на классы и функции.</a:t>
+            </a:r>
+            <a:endParaRPr lang="ru-RU" dirty="0"/>
+          </a:p>
+        </p:txBody>
+      </p:sp>
+    </p:spTree>
+    <p:extLst>
+      <p:ext uri="{BB962C8B-B14F-4D97-AF65-F5344CB8AC3E}">
+        <p14:creationId xmlns:p14="http://schemas.microsoft.com/office/powerpoint/2010/main" val="4142450817"/>
+      </p:ext>
+    </p:extLst>
+  </p:cSld>
+  <p:clrMapOvr>
+    <a:masterClrMapping/>
+  </p:clrMapOvr>
+  <p:timing>
+    <p:tnLst>
+      <p:par>
+        <p:cTn id="1" dur="indefinite" restart="never" nodeType="tmRoot"/>
+      </p:par>
+    </p:tnLst>
+  </p:timing>
 </p:sld>
 </file>
 
@@ -3565,14 +3853,19 @@
             <p:ph type="title"/>
           </p:nvPr>
         </p:nvSpPr>
-        <p:spPr/>
+        <p:spPr>
+          <a:xfrm>
+            <a:off x="1026345" y="282633"/>
+            <a:ext cx="9692640" cy="1325562"/>
+          </a:xfrm>
+        </p:spPr>
         <p:txBody>
           <a:bodyPr/>
           <a:lstStyle/>
           <a:p>
             <a:r>
               <a:rPr lang="ru-RU" dirty="0" smtClean="0"/>
-              <a:t>Введение</a:t>
+              <a:t>Идея проекта</a:t>
             </a:r>
             <a:endParaRPr lang="ru-RU" dirty="0"/>
           </a:p>
@@ -3588,7 +3881,12 @@
             <p:ph idx="1"/>
           </p:nvPr>
         </p:nvSpPr>
-        <p:spPr/>
+        <p:spPr>
+          <a:xfrm>
+            <a:off x="569144" y="1939636"/>
+            <a:ext cx="5457583" cy="4351337"/>
+          </a:xfrm>
+        </p:spPr>
         <p:txBody>
           <a:bodyPr/>
           <a:lstStyle/>
@@ -3624,15 +3922,50 @@
           </a:p>
           <a:p>
             <a:r>
+              <a:rPr lang="ru-RU" b="1" dirty="0"/>
+              <a:t>Приложение реализует функции формирования заказа пользователя и оплаты </a:t>
+            </a:r>
+            <a:r>
               <a:rPr lang="ru-RU" b="1" dirty="0" smtClean="0"/>
-              <a:t>Приложение реализует функции формирования заказа пользователя онлайн.</a:t>
-            </a:r>
+              <a:t>онлайн</a:t>
+            </a:r>
+            <a:endParaRPr lang="ru-RU" sz="2000" b="1" dirty="0" smtClean="0"/>
           </a:p>
           <a:p>
             <a:endParaRPr lang="ru-RU" b="1" dirty="0"/>
           </a:p>
         </p:txBody>
       </p:sp>
+      <p:pic>
+        <p:nvPicPr>
+          <p:cNvPr id="6" name="Рисунок 5"/>
+          <p:cNvPicPr>
+            <a:picLocks noChangeAspect="1"/>
+          </p:cNvPicPr>
+          <p:nvPr/>
+        </p:nvPicPr>
+        <p:blipFill>
+          <a:blip r:embed="rId2">
+            <a:extLst>
+              <a:ext uri="{28A0092B-C50C-407E-A947-70E740481C1C}">
+                <a14:useLocalDpi xmlns:a14="http://schemas.microsoft.com/office/drawing/2010/main" val="0"/>
+              </a:ext>
+            </a:extLst>
+          </a:blip>
+          <a:stretch>
+            <a:fillRect/>
+          </a:stretch>
+        </p:blipFill>
+        <p:spPr>
+          <a:xfrm>
+            <a:off x="5860473" y="2919945"/>
+            <a:ext cx="5417736" cy="3070051"/>
+          </a:xfrm>
+          <a:prstGeom prst="rect">
+            <a:avLst/>
+          </a:prstGeom>
+        </p:spPr>
+      </p:pic>
     </p:spTree>
     <p:extLst>
       <p:ext uri="{BB962C8B-B14F-4D97-AF65-F5344CB8AC3E}">
@@ -3643,6 +3976,13 @@
   <p:clrMapOvr>
     <a:masterClrMapping/>
   </p:clrMapOvr>
+  <p:timing>
+    <p:tnLst>
+      <p:par>
+        <p:cTn id="1" dur="indefinite" restart="never" nodeType="tmRoot"/>
+      </p:par>
+    </p:tnLst>
+  </p:timing>
 </p:sld>
 </file>
 
@@ -3673,16 +4013,20 @@
             <p:ph type="title"/>
           </p:nvPr>
         </p:nvSpPr>
-        <p:spPr/>
-        <p:txBody>
-          <a:bodyPr/>
-          <a:lstStyle/>
-          <a:p>
-            <a:r>
-              <a:rPr lang="ru-RU" dirty="0" smtClean="0"/>
+        <p:spPr>
+          <a:xfrm>
+            <a:off x="860090" y="0"/>
+            <a:ext cx="9692640" cy="1325562"/>
+          </a:xfrm>
+        </p:spPr>
+        <p:txBody>
+          <a:bodyPr/>
+          <a:lstStyle/>
+          <a:p>
+            <a:r>
+              <a:rPr lang="ru-RU" dirty="0"/>
               <a:t>Реализация</a:t>
             </a:r>
-            <a:endParaRPr lang="ru-RU" dirty="0"/>
           </a:p>
         </p:txBody>
       </p:sp>
@@ -3696,90 +4040,80 @@
             <p:ph idx="1"/>
           </p:nvPr>
         </p:nvSpPr>
-        <p:spPr/>
-        <p:txBody>
-          <a:bodyPr/>
-          <a:lstStyle/>
-          <a:p>
-            <a:pPr marL="0" indent="0">
-              <a:buNone/>
-            </a:pPr>
-            <a:r>
-              <a:rPr lang="ru-RU" dirty="0" smtClean="0"/>
-              <a:t>Структура проекта реализована с помощь 5 классов. Четыре класса реализуют работу оконных приложений, а пятый формирование чека, запись его в текстовый файл. </a:t>
-            </a:r>
-          </a:p>
-          <a:p>
-            <a:pPr marL="0" indent="0">
-              <a:buNone/>
-            </a:pPr>
-            <a:r>
-              <a:rPr lang="ru-RU" dirty="0" smtClean="0"/>
-              <a:t>Особенностью моего проекта является красивый дизайн оконных приложений, работа сразу с несколькими базами данных </a:t>
-            </a:r>
-            <a:r>
-              <a:rPr lang="en-US" dirty="0" smtClean="0"/>
-              <a:t>SQL</a:t>
-            </a:r>
-            <a:r>
-              <a:rPr lang="ru-RU" dirty="0" smtClean="0"/>
-              <a:t>, которые связаны между собой. </a:t>
-            </a:r>
-          </a:p>
-          <a:p>
-            <a:pPr marL="0" indent="0">
-              <a:buNone/>
-            </a:pPr>
-            <a:r>
-              <a:rPr lang="ru-RU" dirty="0" smtClean="0"/>
-              <a:t>В моем проекте использованы все изученные технологии, а именно работа с несколькими формами окон, таблицами </a:t>
-            </a:r>
-            <a:r>
-              <a:rPr lang="en-US" dirty="0" smtClean="0"/>
-              <a:t>SQL</a:t>
-            </a:r>
-            <a:r>
-              <a:rPr lang="ru-RU" dirty="0" smtClean="0"/>
-              <a:t>, файлами </a:t>
-            </a:r>
-            <a:r>
-              <a:rPr lang="en-US" dirty="0" smtClean="0"/>
-              <a:t>txt</a:t>
-            </a:r>
-            <a:r>
-              <a:rPr lang="ru-RU" dirty="0" smtClean="0"/>
-              <a:t>, использование изученных и других </a:t>
-            </a:r>
-            <a:r>
-              <a:rPr lang="ru-RU" dirty="0" err="1" smtClean="0"/>
-              <a:t>виджетов</a:t>
-            </a:r>
-            <a:r>
-              <a:rPr lang="ru-RU" dirty="0" smtClean="0"/>
-              <a:t>, диалоговые окна, картинки, а также создание </a:t>
-            </a:r>
-            <a:r>
-              <a:rPr lang="en-US" dirty="0" smtClean="0"/>
-              <a:t>exe </a:t>
-            </a:r>
-            <a:r>
-              <a:rPr lang="ru-RU" dirty="0" smtClean="0"/>
-              <a:t>расширения файла</a:t>
-            </a:r>
-            <a:endParaRPr lang="ru-RU" dirty="0"/>
-          </a:p>
-        </p:txBody>
-      </p:sp>
+        <p:spPr>
+          <a:xfrm>
+            <a:off x="222782" y="1524000"/>
+            <a:ext cx="5402163" cy="4351337"/>
+          </a:xfrm>
+        </p:spPr>
+        <p:txBody>
+          <a:bodyPr/>
+          <a:lstStyle/>
+          <a:p>
+            <a:r>
+              <a:rPr lang="ru-RU" b="1" dirty="0"/>
+              <a:t>Структура проекта реализована с помощь 4 классов. Четыре класса реализуют работу оконных </a:t>
+            </a:r>
+            <a:r>
+              <a:rPr lang="ru-RU" b="1" dirty="0" smtClean="0"/>
+              <a:t>приложений.</a:t>
+            </a:r>
+          </a:p>
+          <a:p>
+            <a:r>
+              <a:rPr lang="ru-RU" b="1" dirty="0" smtClean="0"/>
+              <a:t>Первый класс реализует регистрацию и авторизацию в приложении</a:t>
+            </a:r>
+          </a:p>
+        </p:txBody>
+      </p:sp>
+      <p:pic>
+        <p:nvPicPr>
+          <p:cNvPr id="4" name="Рисунок 3"/>
+          <p:cNvPicPr>
+            <a:picLocks noChangeAspect="1"/>
+          </p:cNvPicPr>
+          <p:nvPr/>
+        </p:nvPicPr>
+        <p:blipFill>
+          <a:blip r:embed="rId2">
+            <a:extLst>
+              <a:ext uri="{28A0092B-C50C-407E-A947-70E740481C1C}">
+                <a14:useLocalDpi xmlns:a14="http://schemas.microsoft.com/office/drawing/2010/main" val="0"/>
+              </a:ext>
+            </a:extLst>
+          </a:blip>
+          <a:stretch>
+            <a:fillRect/>
+          </a:stretch>
+        </p:blipFill>
+        <p:spPr>
+          <a:xfrm>
+            <a:off x="6165272" y="1728310"/>
+            <a:ext cx="4551049" cy="4023724"/>
+          </a:xfrm>
+          <a:prstGeom prst="rect">
+            <a:avLst/>
+          </a:prstGeom>
+        </p:spPr>
+      </p:pic>
     </p:spTree>
     <p:extLst>
       <p:ext uri="{BB962C8B-B14F-4D97-AF65-F5344CB8AC3E}">
-        <p14:creationId xmlns:p14="http://schemas.microsoft.com/office/powerpoint/2010/main" val="1224060843"/>
+        <p14:creationId xmlns:p14="http://schemas.microsoft.com/office/powerpoint/2010/main" val="2704030112"/>
       </p:ext>
     </p:extLst>
   </p:cSld>
   <p:clrMapOvr>
     <a:masterClrMapping/>
   </p:clrMapOvr>
+  <p:timing>
+    <p:tnLst>
+      <p:par>
+        <p:cTn id="1" dur="indefinite" restart="never" nodeType="tmRoot"/>
+      </p:par>
+    </p:tnLst>
+  </p:timing>
 </p:sld>
 </file>
 
@@ -3810,14 +4144,19 @@
             <p:ph type="title"/>
           </p:nvPr>
         </p:nvSpPr>
-        <p:spPr/>
+        <p:spPr>
+          <a:xfrm>
+            <a:off x="721544" y="0"/>
+            <a:ext cx="9692640" cy="1325562"/>
+          </a:xfrm>
+        </p:spPr>
         <p:txBody>
           <a:bodyPr/>
           <a:lstStyle/>
           <a:p>
             <a:r>
               <a:rPr lang="ru-RU" dirty="0" smtClean="0"/>
-              <a:t>Заключение	</a:t>
+              <a:t>Реализация</a:t>
             </a:r>
             <a:endParaRPr lang="ru-RU" dirty="0"/>
           </a:p>
@@ -3833,59 +4172,868 @@
             <p:ph idx="1"/>
           </p:nvPr>
         </p:nvSpPr>
-        <p:spPr/>
-        <p:txBody>
-          <a:bodyPr/>
-          <a:lstStyle/>
-          <a:p>
-            <a:r>
-              <a:rPr lang="ru-RU" dirty="0" smtClean="0"/>
-              <a:t>В процессе создания проекта я повторил </a:t>
-            </a:r>
-            <a:r>
-              <a:rPr lang="ru-RU" dirty="0"/>
-              <a:t>изученное </a:t>
-            </a:r>
-            <a:r>
-              <a:rPr lang="ru-RU" dirty="0" smtClean="0"/>
-              <a:t>ранее, научился работать с новыми </a:t>
-            </a:r>
-            <a:r>
-              <a:rPr lang="ru-RU" dirty="0" err="1" smtClean="0"/>
-              <a:t>виджетами</a:t>
-            </a:r>
-            <a:r>
-              <a:rPr lang="ru-RU" dirty="0" smtClean="0"/>
-              <a:t>, создавать дизайн приложения, структуру проекта. </a:t>
-            </a:r>
-          </a:p>
-          <a:p>
-            <a:r>
-              <a:rPr lang="ru-RU" dirty="0" smtClean="0"/>
-              <a:t>В будущем я бы хотел создавать более сложные структуры баз данных, использовать не изученные ранее </a:t>
-            </a:r>
-            <a:r>
-              <a:rPr lang="ru-RU" dirty="0" err="1" smtClean="0"/>
-              <a:t>виджеты</a:t>
-            </a:r>
-            <a:r>
-              <a:rPr lang="ru-RU" dirty="0" smtClean="0"/>
-              <a:t> и строить еще более сложную структуру проекта, разделённую на классы и функции.</a:t>
-            </a:r>
-            <a:endParaRPr lang="ru-RU" dirty="0"/>
-          </a:p>
-        </p:txBody>
-      </p:sp>
+        <p:spPr>
+          <a:xfrm>
+            <a:off x="721544" y="1691322"/>
+            <a:ext cx="5277473" cy="4351337"/>
+          </a:xfrm>
+        </p:spPr>
+        <p:txBody>
+          <a:bodyPr/>
+          <a:lstStyle/>
+          <a:p>
+            <a:r>
+              <a:rPr lang="ru-RU" b="1" dirty="0" smtClean="0"/>
+              <a:t>Второй класс отвечает за отображение каталога товаров и добавления их в корзину. Так же реализована сортировка по цене и поиск по названию</a:t>
+            </a:r>
+            <a:endParaRPr lang="ru-RU" b="1" dirty="0"/>
+          </a:p>
+        </p:txBody>
+      </p:sp>
+      <p:pic>
+        <p:nvPicPr>
+          <p:cNvPr id="4" name="Рисунок 3"/>
+          <p:cNvPicPr>
+            <a:picLocks noChangeAspect="1"/>
+          </p:cNvPicPr>
+          <p:nvPr/>
+        </p:nvPicPr>
+        <p:blipFill>
+          <a:blip r:embed="rId2">
+            <a:extLst>
+              <a:ext uri="{28A0092B-C50C-407E-A947-70E740481C1C}">
+                <a14:useLocalDpi xmlns:a14="http://schemas.microsoft.com/office/drawing/2010/main" val="0"/>
+              </a:ext>
+            </a:extLst>
+          </a:blip>
+          <a:stretch>
+            <a:fillRect/>
+          </a:stretch>
+        </p:blipFill>
+        <p:spPr>
+          <a:xfrm>
+            <a:off x="6497310" y="828628"/>
+            <a:ext cx="4418671" cy="5214031"/>
+          </a:xfrm>
+          <a:prstGeom prst="rect">
+            <a:avLst/>
+          </a:prstGeom>
+        </p:spPr>
+      </p:pic>
     </p:spTree>
     <p:extLst>
       <p:ext uri="{BB962C8B-B14F-4D97-AF65-F5344CB8AC3E}">
-        <p14:creationId xmlns:p14="http://schemas.microsoft.com/office/powerpoint/2010/main" val="4142450817"/>
+        <p14:creationId xmlns:p14="http://schemas.microsoft.com/office/powerpoint/2010/main" val="1728728707"/>
       </p:ext>
     </p:extLst>
   </p:cSld>
   <p:clrMapOvr>
     <a:masterClrMapping/>
   </p:clrMapOvr>
+  <p:timing>
+    <p:tnLst>
+      <p:par>
+        <p:cTn id="1" dur="indefinite" restart="never" nodeType="tmRoot"/>
+      </p:par>
+    </p:tnLst>
+  </p:timing>
+</p:sld>
+</file>
+
+<file path=ppt/slides/slide5.xml><?xml version="1.0" encoding="utf-8"?>
+<p:sld xmlns:a="http://schemas.openxmlformats.org/drawingml/2006/main" xmlns:r="http://schemas.openxmlformats.org/officeDocument/2006/relationships" xmlns:p="http://schemas.openxmlformats.org/presentationml/2006/main">
+  <p:cSld>
+    <p:spTree>
+      <p:nvGrpSpPr>
+        <p:cNvPr id="1" name=""/>
+        <p:cNvGrpSpPr/>
+        <p:nvPr/>
+      </p:nvGrpSpPr>
+      <p:grpSpPr>
+        <a:xfrm>
+          <a:off x="0" y="0"/>
+          <a:ext cx="0" cy="0"/>
+          <a:chOff x="0" y="0"/>
+          <a:chExt cx="0" cy="0"/>
+        </a:xfrm>
+      </p:grpSpPr>
+      <p:sp>
+        <p:nvSpPr>
+          <p:cNvPr id="2" name="Заголовок 1"/>
+          <p:cNvSpPr>
+            <a:spLocks noGrp="1"/>
+          </p:cNvSpPr>
+          <p:nvPr>
+            <p:ph type="title"/>
+          </p:nvPr>
+        </p:nvSpPr>
+        <p:spPr>
+          <a:xfrm>
+            <a:off x="713232" y="-106362"/>
+            <a:ext cx="9692640" cy="1325562"/>
+          </a:xfrm>
+        </p:spPr>
+        <p:txBody>
+          <a:bodyPr/>
+          <a:lstStyle/>
+          <a:p>
+            <a:r>
+              <a:rPr lang="ru-RU" dirty="0" smtClean="0"/>
+              <a:t>Реализация</a:t>
+            </a:r>
+            <a:endParaRPr lang="ru-RU" dirty="0"/>
+          </a:p>
+        </p:txBody>
+      </p:sp>
+      <p:sp>
+        <p:nvSpPr>
+          <p:cNvPr id="3" name="Объект 2"/>
+          <p:cNvSpPr>
+            <a:spLocks noGrp="1"/>
+          </p:cNvSpPr>
+          <p:nvPr>
+            <p:ph idx="1"/>
+          </p:nvPr>
+        </p:nvSpPr>
+        <p:spPr>
+          <a:xfrm>
+            <a:off x="713232" y="1510145"/>
+            <a:ext cx="4273999" cy="4351337"/>
+          </a:xfrm>
+        </p:spPr>
+        <p:txBody>
+          <a:bodyPr/>
+          <a:lstStyle/>
+          <a:p>
+            <a:r>
+              <a:rPr lang="ru-RU" b="1" dirty="0" smtClean="0"/>
+              <a:t>Третий класс реализует отображение корзины товаров. В корзине пользователь может изменять количество товаров в корзине и удалять предметы.</a:t>
+            </a:r>
+            <a:endParaRPr lang="ru-RU" b="1" dirty="0"/>
+          </a:p>
+        </p:txBody>
+      </p:sp>
+      <p:pic>
+        <p:nvPicPr>
+          <p:cNvPr id="4" name="Рисунок 3"/>
+          <p:cNvPicPr>
+            <a:picLocks noChangeAspect="1"/>
+          </p:cNvPicPr>
+          <p:nvPr/>
+        </p:nvPicPr>
+        <p:blipFill>
+          <a:blip r:embed="rId2">
+            <a:extLst>
+              <a:ext uri="{28A0092B-C50C-407E-A947-70E740481C1C}">
+                <a14:useLocalDpi xmlns:a14="http://schemas.microsoft.com/office/drawing/2010/main" val="0"/>
+              </a:ext>
+            </a:extLst>
+          </a:blip>
+          <a:stretch>
+            <a:fillRect/>
+          </a:stretch>
+        </p:blipFill>
+        <p:spPr>
+          <a:xfrm>
+            <a:off x="4295015" y="3408218"/>
+            <a:ext cx="6110857" cy="2453264"/>
+          </a:xfrm>
+          <a:prstGeom prst="rect">
+            <a:avLst/>
+          </a:prstGeom>
+        </p:spPr>
+      </p:pic>
+    </p:spTree>
+    <p:extLst>
+      <p:ext uri="{BB962C8B-B14F-4D97-AF65-F5344CB8AC3E}">
+        <p14:creationId xmlns:p14="http://schemas.microsoft.com/office/powerpoint/2010/main" val="3571273922"/>
+      </p:ext>
+    </p:extLst>
+  </p:cSld>
+  <p:clrMapOvr>
+    <a:masterClrMapping/>
+  </p:clrMapOvr>
+  <p:timing>
+    <p:tnLst>
+      <p:par>
+        <p:cTn id="1" dur="indefinite" restart="never" nodeType="tmRoot"/>
+      </p:par>
+    </p:tnLst>
+  </p:timing>
+</p:sld>
+</file>
+
+<file path=ppt/slides/slide6.xml><?xml version="1.0" encoding="utf-8"?>
+<p:sld xmlns:a="http://schemas.openxmlformats.org/drawingml/2006/main" xmlns:r="http://schemas.openxmlformats.org/officeDocument/2006/relationships" xmlns:p="http://schemas.openxmlformats.org/presentationml/2006/main">
+  <p:cSld>
+    <p:spTree>
+      <p:nvGrpSpPr>
+        <p:cNvPr id="1" name=""/>
+        <p:cNvGrpSpPr/>
+        <p:nvPr/>
+      </p:nvGrpSpPr>
+      <p:grpSpPr>
+        <a:xfrm>
+          <a:off x="0" y="0"/>
+          <a:ext cx="0" cy="0"/>
+          <a:chOff x="0" y="0"/>
+          <a:chExt cx="0" cy="0"/>
+        </a:xfrm>
+      </p:grpSpPr>
+      <p:sp>
+        <p:nvSpPr>
+          <p:cNvPr id="2" name="Заголовок 1"/>
+          <p:cNvSpPr>
+            <a:spLocks noGrp="1"/>
+          </p:cNvSpPr>
+          <p:nvPr>
+            <p:ph type="title"/>
+          </p:nvPr>
+        </p:nvSpPr>
+        <p:spPr>
+          <a:xfrm>
+            <a:off x="501536" y="0"/>
+            <a:ext cx="9692640" cy="1325562"/>
+          </a:xfrm>
+        </p:spPr>
+        <p:txBody>
+          <a:bodyPr/>
+          <a:lstStyle/>
+          <a:p>
+            <a:r>
+              <a:rPr lang="ru-RU" dirty="0"/>
+              <a:t>Реализация</a:t>
+            </a:r>
+          </a:p>
+        </p:txBody>
+      </p:sp>
+      <p:sp>
+        <p:nvSpPr>
+          <p:cNvPr id="3" name="Объект 2"/>
+          <p:cNvSpPr>
+            <a:spLocks noGrp="1"/>
+          </p:cNvSpPr>
+          <p:nvPr>
+            <p:ph idx="1"/>
+          </p:nvPr>
+        </p:nvSpPr>
+        <p:spPr>
+          <a:xfrm>
+            <a:off x="762001" y="1580048"/>
+            <a:ext cx="4405746" cy="4488815"/>
+          </a:xfrm>
+        </p:spPr>
+        <p:txBody>
+          <a:bodyPr/>
+          <a:lstStyle/>
+          <a:p>
+            <a:r>
+              <a:rPr lang="ru-RU" b="1" dirty="0" smtClean="0"/>
+              <a:t>Четвертый </a:t>
+            </a:r>
+            <a:r>
+              <a:rPr lang="ru-RU" b="1" dirty="0"/>
+              <a:t>класс реализует </a:t>
+            </a:r>
+            <a:r>
+              <a:rPr lang="ru-RU" b="1" dirty="0" smtClean="0"/>
+              <a:t>отображение формы оплаты товаров из корзины. </a:t>
+            </a:r>
+            <a:endParaRPr lang="ru-RU" b="1" dirty="0"/>
+          </a:p>
+        </p:txBody>
+      </p:sp>
+      <p:pic>
+        <p:nvPicPr>
+          <p:cNvPr id="5" name="Рисунок 4"/>
+          <p:cNvPicPr>
+            <a:picLocks noChangeAspect="1"/>
+          </p:cNvPicPr>
+          <p:nvPr/>
+        </p:nvPicPr>
+        <p:blipFill>
+          <a:blip r:embed="rId2">
+            <a:extLst>
+              <a:ext uri="{28A0092B-C50C-407E-A947-70E740481C1C}">
+                <a14:useLocalDpi xmlns:a14="http://schemas.microsoft.com/office/drawing/2010/main" val="0"/>
+              </a:ext>
+            </a:extLst>
+          </a:blip>
+          <a:stretch>
+            <a:fillRect/>
+          </a:stretch>
+        </p:blipFill>
+        <p:spPr>
+          <a:xfrm>
+            <a:off x="5658193" y="1982461"/>
+            <a:ext cx="5185483" cy="3683990"/>
+          </a:xfrm>
+          <a:prstGeom prst="rect">
+            <a:avLst/>
+          </a:prstGeom>
+        </p:spPr>
+      </p:pic>
+    </p:spTree>
+    <p:extLst>
+      <p:ext uri="{BB962C8B-B14F-4D97-AF65-F5344CB8AC3E}">
+        <p14:creationId xmlns:p14="http://schemas.microsoft.com/office/powerpoint/2010/main" val="2423215513"/>
+      </p:ext>
+    </p:extLst>
+  </p:cSld>
+  <p:clrMapOvr>
+    <a:masterClrMapping/>
+  </p:clrMapOvr>
+  <p:timing>
+    <p:tnLst>
+      <p:par>
+        <p:cTn id="1" dur="indefinite" restart="never" nodeType="tmRoot"/>
+      </p:par>
+    </p:tnLst>
+  </p:timing>
+</p:sld>
+</file>
+
+<file path=ppt/slides/slide7.xml><?xml version="1.0" encoding="utf-8"?>
+<p:sld xmlns:a="http://schemas.openxmlformats.org/drawingml/2006/main" xmlns:r="http://schemas.openxmlformats.org/officeDocument/2006/relationships" xmlns:p="http://schemas.openxmlformats.org/presentationml/2006/main">
+  <p:cSld>
+    <p:spTree>
+      <p:nvGrpSpPr>
+        <p:cNvPr id="1" name=""/>
+        <p:cNvGrpSpPr/>
+        <p:nvPr/>
+      </p:nvGrpSpPr>
+      <p:grpSpPr>
+        <a:xfrm>
+          <a:off x="0" y="0"/>
+          <a:ext cx="0" cy="0"/>
+          <a:chOff x="0" y="0"/>
+          <a:chExt cx="0" cy="0"/>
+        </a:xfrm>
+      </p:grpSpPr>
+      <p:sp>
+        <p:nvSpPr>
+          <p:cNvPr id="2" name="Заголовок 1"/>
+          <p:cNvSpPr>
+            <a:spLocks noGrp="1"/>
+          </p:cNvSpPr>
+          <p:nvPr>
+            <p:ph type="title"/>
+          </p:nvPr>
+        </p:nvSpPr>
+        <p:spPr>
+          <a:xfrm>
+            <a:off x="693835" y="0"/>
+            <a:ext cx="9692640" cy="1325562"/>
+          </a:xfrm>
+        </p:spPr>
+        <p:txBody>
+          <a:bodyPr/>
+          <a:lstStyle/>
+          <a:p>
+            <a:r>
+              <a:rPr lang="ru-RU" dirty="0" smtClean="0"/>
+              <a:t>Особенности моего проекта</a:t>
+            </a:r>
+            <a:endParaRPr lang="ru-RU" dirty="0"/>
+          </a:p>
+        </p:txBody>
+      </p:sp>
+      <p:sp>
+        <p:nvSpPr>
+          <p:cNvPr id="3" name="Объект 2"/>
+          <p:cNvSpPr>
+            <a:spLocks noGrp="1"/>
+          </p:cNvSpPr>
+          <p:nvPr>
+            <p:ph idx="1"/>
+          </p:nvPr>
+        </p:nvSpPr>
+        <p:spPr>
+          <a:xfrm>
+            <a:off x="693835" y="1676400"/>
+            <a:ext cx="5138928" cy="4351337"/>
+          </a:xfrm>
+        </p:spPr>
+        <p:txBody>
+          <a:bodyPr/>
+          <a:lstStyle/>
+          <a:p>
+            <a:r>
+              <a:rPr lang="ru-RU" b="1" dirty="0"/>
+              <a:t>Особенностью моего проекта является красивый дизайн оконных приложений, работа сразу с несколькими базами данных </a:t>
+            </a:r>
+            <a:r>
+              <a:rPr lang="en-US" b="1" dirty="0"/>
+              <a:t>SQL</a:t>
+            </a:r>
+            <a:r>
+              <a:rPr lang="ru-RU" b="1" dirty="0"/>
+              <a:t>, которые связаны между собой. </a:t>
+            </a:r>
+          </a:p>
+          <a:p>
+            <a:endParaRPr lang="ru-RU" dirty="0"/>
+          </a:p>
+        </p:txBody>
+      </p:sp>
+      <p:pic>
+        <p:nvPicPr>
+          <p:cNvPr id="5" name="Рисунок 4"/>
+          <p:cNvPicPr>
+            <a:picLocks noChangeAspect="1"/>
+          </p:cNvPicPr>
+          <p:nvPr/>
+        </p:nvPicPr>
+        <p:blipFill>
+          <a:blip r:embed="rId2">
+            <a:extLst>
+              <a:ext uri="{28A0092B-C50C-407E-A947-70E740481C1C}">
+                <a14:useLocalDpi xmlns:a14="http://schemas.microsoft.com/office/drawing/2010/main" val="0"/>
+              </a:ext>
+            </a:extLst>
+          </a:blip>
+          <a:stretch>
+            <a:fillRect/>
+          </a:stretch>
+        </p:blipFill>
+        <p:spPr>
+          <a:xfrm>
+            <a:off x="5540155" y="2401580"/>
+            <a:ext cx="5104078" cy="3626157"/>
+          </a:xfrm>
+          <a:prstGeom prst="rect">
+            <a:avLst/>
+          </a:prstGeom>
+        </p:spPr>
+      </p:pic>
+    </p:spTree>
+    <p:extLst>
+      <p:ext uri="{BB962C8B-B14F-4D97-AF65-F5344CB8AC3E}">
+        <p14:creationId xmlns:p14="http://schemas.microsoft.com/office/powerpoint/2010/main" val="2659084810"/>
+      </p:ext>
+    </p:extLst>
+  </p:cSld>
+  <p:clrMapOvr>
+    <a:masterClrMapping/>
+  </p:clrMapOvr>
+  <p:timing>
+    <p:tnLst>
+      <p:par>
+        <p:cTn id="1" dur="indefinite" restart="never" nodeType="tmRoot"/>
+      </p:par>
+    </p:tnLst>
+  </p:timing>
+</p:sld>
+</file>
+
+<file path=ppt/slides/slide8.xml><?xml version="1.0" encoding="utf-8"?>
+<p:sld xmlns:a="http://schemas.openxmlformats.org/drawingml/2006/main" xmlns:r="http://schemas.openxmlformats.org/officeDocument/2006/relationships" xmlns:p="http://schemas.openxmlformats.org/presentationml/2006/main">
+  <p:cSld>
+    <p:spTree>
+      <p:nvGrpSpPr>
+        <p:cNvPr id="1" name=""/>
+        <p:cNvGrpSpPr/>
+        <p:nvPr/>
+      </p:nvGrpSpPr>
+      <p:grpSpPr>
+        <a:xfrm>
+          <a:off x="0" y="0"/>
+          <a:ext cx="0" cy="0"/>
+          <a:chOff x="0" y="0"/>
+          <a:chExt cx="0" cy="0"/>
+        </a:xfrm>
+      </p:grpSpPr>
+      <p:sp>
+        <p:nvSpPr>
+          <p:cNvPr id="2" name="Заголовок 1"/>
+          <p:cNvSpPr>
+            <a:spLocks noGrp="1"/>
+          </p:cNvSpPr>
+          <p:nvPr>
+            <p:ph type="title"/>
+          </p:nvPr>
+        </p:nvSpPr>
+        <p:spPr>
+          <a:xfrm>
+            <a:off x="713232" y="0"/>
+            <a:ext cx="9692640" cy="1325562"/>
+          </a:xfrm>
+        </p:spPr>
+        <p:txBody>
+          <a:bodyPr/>
+          <a:lstStyle/>
+          <a:p>
+            <a:r>
+              <a:rPr lang="ru-RU" dirty="0" smtClean="0"/>
+              <a:t>Базы данных</a:t>
+            </a:r>
+            <a:endParaRPr lang="ru-RU" dirty="0"/>
+          </a:p>
+        </p:txBody>
+      </p:sp>
+      <p:sp>
+        <p:nvSpPr>
+          <p:cNvPr id="3" name="Объект 2"/>
+          <p:cNvSpPr>
+            <a:spLocks noGrp="1"/>
+          </p:cNvSpPr>
+          <p:nvPr>
+            <p:ph idx="1"/>
+          </p:nvPr>
+        </p:nvSpPr>
+        <p:spPr>
+          <a:xfrm>
+            <a:off x="713232" y="1634837"/>
+            <a:ext cx="4751000" cy="4351337"/>
+          </a:xfrm>
+        </p:spPr>
+        <p:txBody>
+          <a:bodyPr/>
+          <a:lstStyle/>
+          <a:p>
+            <a:r>
+              <a:rPr lang="ru-RU" b="1" dirty="0" smtClean="0"/>
+              <a:t>Для работы моего приложения используется база данных, в которой находятся 4 таблицы. </a:t>
+            </a:r>
+            <a:endParaRPr lang="ru-RU" b="1" dirty="0"/>
+          </a:p>
+        </p:txBody>
+      </p:sp>
+      <p:pic>
+        <p:nvPicPr>
+          <p:cNvPr id="4" name="Рисунок 3"/>
+          <p:cNvPicPr>
+            <a:picLocks noChangeAspect="1"/>
+          </p:cNvPicPr>
+          <p:nvPr/>
+        </p:nvPicPr>
+        <p:blipFill>
+          <a:blip r:embed="rId2"/>
+          <a:stretch>
+            <a:fillRect/>
+          </a:stretch>
+        </p:blipFill>
+        <p:spPr>
+          <a:xfrm>
+            <a:off x="5014987" y="3172691"/>
+            <a:ext cx="4873385" cy="2290907"/>
+          </a:xfrm>
+          <a:prstGeom prst="rect">
+            <a:avLst/>
+          </a:prstGeom>
+        </p:spPr>
+      </p:pic>
+    </p:spTree>
+    <p:extLst>
+      <p:ext uri="{BB962C8B-B14F-4D97-AF65-F5344CB8AC3E}">
+        <p14:creationId xmlns:p14="http://schemas.microsoft.com/office/powerpoint/2010/main" val="664733717"/>
+      </p:ext>
+    </p:extLst>
+  </p:cSld>
+  <p:clrMapOvr>
+    <a:masterClrMapping/>
+  </p:clrMapOvr>
+  <p:timing>
+    <p:tnLst>
+      <p:par>
+        <p:cTn id="1" dur="indefinite" restart="never" nodeType="tmRoot"/>
+      </p:par>
+    </p:tnLst>
+  </p:timing>
+</p:sld>
+</file>
+
+<file path=ppt/slides/slide9.xml><?xml version="1.0" encoding="utf-8"?>
+<p:sld xmlns:a="http://schemas.openxmlformats.org/drawingml/2006/main" xmlns:r="http://schemas.openxmlformats.org/officeDocument/2006/relationships" xmlns:p="http://schemas.openxmlformats.org/presentationml/2006/main">
+  <p:cSld>
+    <p:spTree>
+      <p:nvGrpSpPr>
+        <p:cNvPr id="1" name=""/>
+        <p:cNvGrpSpPr/>
+        <p:nvPr/>
+      </p:nvGrpSpPr>
+      <p:grpSpPr>
+        <a:xfrm>
+          <a:off x="0" y="0"/>
+          <a:ext cx="0" cy="0"/>
+          <a:chOff x="0" y="0"/>
+          <a:chExt cx="0" cy="0"/>
+        </a:xfrm>
+      </p:grpSpPr>
+      <p:sp>
+        <p:nvSpPr>
+          <p:cNvPr id="2" name="Заголовок 1"/>
+          <p:cNvSpPr>
+            <a:spLocks noGrp="1"/>
+          </p:cNvSpPr>
+          <p:nvPr>
+            <p:ph type="title"/>
+          </p:nvPr>
+        </p:nvSpPr>
+        <p:spPr>
+          <a:xfrm>
+            <a:off x="707690" y="16918"/>
+            <a:ext cx="9692640" cy="1325562"/>
+          </a:xfrm>
+        </p:spPr>
+        <p:txBody>
+          <a:bodyPr/>
+          <a:lstStyle/>
+          <a:p>
+            <a:r>
+              <a:rPr lang="ru-RU" dirty="0" smtClean="0"/>
+              <a:t>Базы данных</a:t>
+            </a:r>
+            <a:endParaRPr lang="ru-RU" dirty="0"/>
+          </a:p>
+        </p:txBody>
+      </p:sp>
+      <p:sp>
+        <p:nvSpPr>
+          <p:cNvPr id="3" name="Объект 2"/>
+          <p:cNvSpPr>
+            <a:spLocks noGrp="1"/>
+          </p:cNvSpPr>
+          <p:nvPr>
+            <p:ph idx="1"/>
+          </p:nvPr>
+        </p:nvSpPr>
+        <p:spPr>
+          <a:xfrm>
+            <a:off x="707690" y="1662545"/>
+            <a:ext cx="4543183" cy="4488174"/>
+          </a:xfrm>
+        </p:spPr>
+        <p:txBody>
+          <a:bodyPr/>
+          <a:lstStyle/>
+          <a:p>
+            <a:r>
+              <a:rPr lang="ru-RU" b="1" dirty="0"/>
+              <a:t>Две из них отвечают за хранение данных пользователей и информации о товарах. Две остальные за хранение данных о заказах.</a:t>
+            </a:r>
+            <a:r>
+              <a:rPr lang="en-US" b="1" dirty="0"/>
+              <a:t> </a:t>
+            </a:r>
+            <a:r>
+              <a:rPr lang="ru-RU" b="1" dirty="0"/>
+              <a:t>Таблица </a:t>
+            </a:r>
+            <a:r>
+              <a:rPr lang="en-US" b="1" dirty="0" err="1"/>
+              <a:t>order_items</a:t>
+            </a:r>
+            <a:r>
+              <a:rPr lang="en-US" b="1" dirty="0"/>
+              <a:t> </a:t>
+            </a:r>
+            <a:r>
+              <a:rPr lang="ru-RU" b="1" dirty="0"/>
+              <a:t>связана сразу с двумя таблицами – </a:t>
+            </a:r>
+            <a:r>
+              <a:rPr lang="en-US" b="1" dirty="0" err="1"/>
+              <a:t>price_list</a:t>
+            </a:r>
+            <a:r>
+              <a:rPr lang="en-US" b="1" dirty="0"/>
+              <a:t> </a:t>
+            </a:r>
+            <a:r>
+              <a:rPr lang="ru-RU" b="1" dirty="0"/>
+              <a:t>и </a:t>
+            </a:r>
+            <a:r>
+              <a:rPr lang="en-US" b="1" dirty="0"/>
+              <a:t>orders</a:t>
+            </a:r>
+            <a:r>
+              <a:rPr lang="ru-RU" b="1" dirty="0"/>
+              <a:t>.</a:t>
+            </a:r>
+          </a:p>
+          <a:p>
+            <a:endParaRPr lang="ru-RU" dirty="0"/>
+          </a:p>
+        </p:txBody>
+      </p:sp>
+      <p:pic>
+        <p:nvPicPr>
+          <p:cNvPr id="4" name="Рисунок 3"/>
+          <p:cNvPicPr>
+            <a:picLocks noChangeAspect="1"/>
+          </p:cNvPicPr>
+          <p:nvPr/>
+        </p:nvPicPr>
+        <p:blipFill>
+          <a:blip r:embed="rId2"/>
+          <a:stretch>
+            <a:fillRect/>
+          </a:stretch>
+        </p:blipFill>
+        <p:spPr>
+          <a:xfrm>
+            <a:off x="6337705" y="1951782"/>
+            <a:ext cx="4339716" cy="1801391"/>
+          </a:xfrm>
+          <a:prstGeom prst="rect">
+            <a:avLst/>
+          </a:prstGeom>
+        </p:spPr>
+      </p:pic>
+      <p:pic>
+        <p:nvPicPr>
+          <p:cNvPr id="5" name="Рисунок 4"/>
+          <p:cNvPicPr>
+            <a:picLocks noChangeAspect="1"/>
+          </p:cNvPicPr>
+          <p:nvPr/>
+        </p:nvPicPr>
+        <p:blipFill>
+          <a:blip r:embed="rId3"/>
+          <a:stretch>
+            <a:fillRect/>
+          </a:stretch>
+        </p:blipFill>
+        <p:spPr>
+          <a:xfrm>
+            <a:off x="1652818" y="4520624"/>
+            <a:ext cx="4267562" cy="1725852"/>
+          </a:xfrm>
+          <a:prstGeom prst="rect">
+            <a:avLst/>
+          </a:prstGeom>
+        </p:spPr>
+      </p:pic>
+      <p:pic>
+        <p:nvPicPr>
+          <p:cNvPr id="7" name="Рисунок 6"/>
+          <p:cNvPicPr>
+            <a:picLocks noChangeAspect="1"/>
+          </p:cNvPicPr>
+          <p:nvPr/>
+        </p:nvPicPr>
+        <p:blipFill>
+          <a:blip r:embed="rId4"/>
+          <a:stretch>
+            <a:fillRect/>
+          </a:stretch>
+        </p:blipFill>
+        <p:spPr>
+          <a:xfrm>
+            <a:off x="6337705" y="4520624"/>
+            <a:ext cx="4496716" cy="1725852"/>
+          </a:xfrm>
+          <a:prstGeom prst="rect">
+            <a:avLst/>
+          </a:prstGeom>
+        </p:spPr>
+      </p:pic>
+      <p:sp>
+        <p:nvSpPr>
+          <p:cNvPr id="8" name="Прямоугольник 7"/>
+          <p:cNvSpPr/>
+          <p:nvPr/>
+        </p:nvSpPr>
+        <p:spPr>
+          <a:xfrm>
+            <a:off x="6302319" y="1317847"/>
+            <a:ext cx="1622481" cy="369332"/>
+          </a:xfrm>
+          <a:prstGeom prst="rect">
+            <a:avLst/>
+          </a:prstGeom>
+        </p:spPr>
+        <p:txBody>
+          <a:bodyPr wrap="square">
+            <a:spAutoFit/>
+          </a:bodyPr>
+          <a:lstStyle/>
+          <a:p>
+            <a:r>
+              <a:rPr lang="en-US" b="1" dirty="0" err="1" smtClean="0"/>
+              <a:t>order_items</a:t>
+            </a:r>
+            <a:endParaRPr lang="ru-RU" b="1" dirty="0"/>
+          </a:p>
+        </p:txBody>
+      </p:sp>
+      <p:sp>
+        <p:nvSpPr>
+          <p:cNvPr id="9" name="Прямоугольник 8"/>
+          <p:cNvSpPr/>
+          <p:nvPr/>
+        </p:nvSpPr>
+        <p:spPr>
+          <a:xfrm>
+            <a:off x="1685016" y="3991260"/>
+            <a:ext cx="1300356" cy="369332"/>
+          </a:xfrm>
+          <a:prstGeom prst="rect">
+            <a:avLst/>
+          </a:prstGeom>
+        </p:spPr>
+        <p:txBody>
+          <a:bodyPr wrap="none">
+            <a:spAutoFit/>
+          </a:bodyPr>
+          <a:lstStyle/>
+          <a:p>
+            <a:r>
+              <a:rPr lang="en-US" b="1" dirty="0" err="1"/>
+              <a:t>price_list</a:t>
+            </a:r>
+            <a:endParaRPr lang="ru-RU" b="1" dirty="0"/>
+          </a:p>
+        </p:txBody>
+      </p:sp>
+      <p:sp>
+        <p:nvSpPr>
+          <p:cNvPr id="10" name="Прямоугольник 9"/>
+          <p:cNvSpPr/>
+          <p:nvPr/>
+        </p:nvSpPr>
+        <p:spPr>
+          <a:xfrm>
+            <a:off x="6645224" y="3991260"/>
+            <a:ext cx="968535" cy="369332"/>
+          </a:xfrm>
+          <a:prstGeom prst="rect">
+            <a:avLst/>
+          </a:prstGeom>
+        </p:spPr>
+        <p:txBody>
+          <a:bodyPr wrap="none">
+            <a:spAutoFit/>
+          </a:bodyPr>
+          <a:lstStyle/>
+          <a:p>
+            <a:r>
+              <a:rPr lang="en-US" b="1" dirty="0"/>
+              <a:t>orders</a:t>
+            </a:r>
+            <a:endParaRPr lang="ru-RU" b="1" dirty="0"/>
+          </a:p>
+        </p:txBody>
+      </p:sp>
+    </p:spTree>
+    <p:extLst>
+      <p:ext uri="{BB962C8B-B14F-4D97-AF65-F5344CB8AC3E}">
+        <p14:creationId xmlns:p14="http://schemas.microsoft.com/office/powerpoint/2010/main" val="1689927644"/>
+      </p:ext>
+    </p:extLst>
+  </p:cSld>
+  <p:clrMapOvr>
+    <a:masterClrMapping/>
+  </p:clrMapOvr>
+  <p:timing>
+    <p:tnLst>
+      <p:par>
+        <p:cTn id="1" dur="indefinite" restart="never" nodeType="tmRoot"/>
+      </p:par>
+    </p:tnLst>
+  </p:timing>
 </p:sld>
 </file>
 

--- a/online_store.pptx
+++ b/online_store.pptx
@@ -11,9 +11,9 @@
     <p:sldId id="263" r:id="rId5"/>
     <p:sldId id="264" r:id="rId6"/>
     <p:sldId id="262" r:id="rId7"/>
-    <p:sldId id="261" r:id="rId8"/>
-    <p:sldId id="265" r:id="rId9"/>
-    <p:sldId id="266" r:id="rId10"/>
+    <p:sldId id="265" r:id="rId8"/>
+    <p:sldId id="266" r:id="rId9"/>
+    <p:sldId id="261" r:id="rId10"/>
     <p:sldId id="258" r:id="rId11"/>
     <p:sldId id="259" r:id="rId12"/>
   </p:sldIdLst>
@@ -290,7 +290,7 @@
           <a:p>
             <a:fld id="{5702068F-7570-482E-8EDC-16AF11645D19}" type="datetimeFigureOut">
               <a:rPr lang="ru-RU" smtClean="0"/>
-              <a:t>12.11.2021</a:t>
+              <a:t>14.11.2021</a:t>
             </a:fld>
             <a:endParaRPr lang="ru-RU"/>
           </a:p>
@@ -518,7 +518,7 @@
           <a:p>
             <a:fld id="{5702068F-7570-482E-8EDC-16AF11645D19}" type="datetimeFigureOut">
               <a:rPr lang="ru-RU" smtClean="0"/>
-              <a:t>12.11.2021</a:t>
+              <a:t>14.11.2021</a:t>
             </a:fld>
             <a:endParaRPr lang="ru-RU"/>
           </a:p>
@@ -698,7 +698,7 @@
           <a:p>
             <a:fld id="{5702068F-7570-482E-8EDC-16AF11645D19}" type="datetimeFigureOut">
               <a:rPr lang="ru-RU" smtClean="0"/>
-              <a:t>12.11.2021</a:t>
+              <a:t>14.11.2021</a:t>
             </a:fld>
             <a:endParaRPr lang="ru-RU"/>
           </a:p>
@@ -868,7 +868,7 @@
           <a:p>
             <a:fld id="{5702068F-7570-482E-8EDC-16AF11645D19}" type="datetimeFigureOut">
               <a:rPr lang="ru-RU" smtClean="0"/>
-              <a:t>12.11.2021</a:t>
+              <a:t>14.11.2021</a:t>
             </a:fld>
             <a:endParaRPr lang="ru-RU"/>
           </a:p>
@@ -1122,7 +1122,7 @@
           <a:p>
             <a:fld id="{5702068F-7570-482E-8EDC-16AF11645D19}" type="datetimeFigureOut">
               <a:rPr lang="ru-RU" smtClean="0"/>
-              <a:t>12.11.2021</a:t>
+              <a:t>14.11.2021</a:t>
             </a:fld>
             <a:endParaRPr lang="ru-RU"/>
           </a:p>
@@ -1448,7 +1448,7 @@
           <a:p>
             <a:fld id="{5702068F-7570-482E-8EDC-16AF11645D19}" type="datetimeFigureOut">
               <a:rPr lang="ru-RU" smtClean="0"/>
-              <a:t>12.11.2021</a:t>
+              <a:t>14.11.2021</a:t>
             </a:fld>
             <a:endParaRPr lang="ru-RU"/>
           </a:p>
@@ -1904,7 +1904,7 @@
           <a:p>
             <a:fld id="{5702068F-7570-482E-8EDC-16AF11645D19}" type="datetimeFigureOut">
               <a:rPr lang="ru-RU" smtClean="0"/>
-              <a:t>12.11.2021</a:t>
+              <a:t>14.11.2021</a:t>
             </a:fld>
             <a:endParaRPr lang="ru-RU"/>
           </a:p>
@@ -2027,7 +2027,7 @@
           <a:p>
             <a:fld id="{5702068F-7570-482E-8EDC-16AF11645D19}" type="datetimeFigureOut">
               <a:rPr lang="ru-RU" smtClean="0"/>
-              <a:t>12.11.2021</a:t>
+              <a:t>14.11.2021</a:t>
             </a:fld>
             <a:endParaRPr lang="ru-RU"/>
           </a:p>
@@ -2122,7 +2122,7 @@
           <a:p>
             <a:fld id="{5702068F-7570-482E-8EDC-16AF11645D19}" type="datetimeFigureOut">
               <a:rPr lang="ru-RU" smtClean="0"/>
-              <a:t>12.11.2021</a:t>
+              <a:t>14.11.2021</a:t>
             </a:fld>
             <a:endParaRPr lang="ru-RU"/>
           </a:p>
@@ -2409,7 +2409,7 @@
           <a:p>
             <a:fld id="{5702068F-7570-482E-8EDC-16AF11645D19}" type="datetimeFigureOut">
               <a:rPr lang="ru-RU" smtClean="0"/>
-              <a:t>12.11.2021</a:t>
+              <a:t>14.11.2021</a:t>
             </a:fld>
             <a:endParaRPr lang="ru-RU"/>
           </a:p>
@@ -2736,7 +2736,7 @@
           <a:p>
             <a:fld id="{5702068F-7570-482E-8EDC-16AF11645D19}" type="datetimeFigureOut">
               <a:rPr lang="ru-RU" smtClean="0"/>
-              <a:t>12.11.2021</a:t>
+              <a:t>14.11.2021</a:t>
             </a:fld>
             <a:endParaRPr lang="ru-RU"/>
           </a:p>
@@ -2990,7 +2990,7 @@
           <a:p>
             <a:fld id="{5702068F-7570-482E-8EDC-16AF11645D19}" type="datetimeFigureOut">
               <a:rPr lang="ru-RU" smtClean="0"/>
-              <a:t>12.11.2021</a:t>
+              <a:t>14.11.2021</a:t>
             </a:fld>
             <a:endParaRPr lang="ru-RU"/>
           </a:p>
@@ -3627,11 +3627,7 @@
             </a:pPr>
             <a:r>
               <a:rPr lang="ru-RU" b="1" dirty="0" smtClean="0"/>
-              <a:t>В </a:t>
-            </a:r>
-            <a:r>
-              <a:rPr lang="ru-RU" b="1" dirty="0" smtClean="0"/>
-              <a:t>моем проекте использованы все изученные технологии, а именно работа с несколькими формами окон, таблицами </a:t>
+              <a:t>В моем проекте использованы все изученные технологии, а именно работа с несколькими формами окон, таблицами </a:t>
             </a:r>
             <a:r>
               <a:rPr lang="en-US" b="1" dirty="0" smtClean="0"/>
@@ -3769,40 +3765,48 @@
           <a:lstStyle/>
           <a:p>
             <a:r>
-              <a:rPr lang="ru-RU" dirty="0" smtClean="0"/>
+              <a:rPr lang="ru-RU" b="1" dirty="0" smtClean="0"/>
               <a:t>В процессе создания проекта я повторил </a:t>
             </a:r>
             <a:r>
-              <a:rPr lang="ru-RU" dirty="0"/>
+              <a:rPr lang="ru-RU" b="1" dirty="0"/>
               <a:t>изученное </a:t>
             </a:r>
             <a:r>
-              <a:rPr lang="ru-RU" dirty="0" smtClean="0"/>
+              <a:rPr lang="ru-RU" b="1" dirty="0" smtClean="0"/>
               <a:t>ранее, научился работать с новыми </a:t>
             </a:r>
             <a:r>
-              <a:rPr lang="ru-RU" dirty="0" err="1" smtClean="0"/>
+              <a:rPr lang="ru-RU" b="1" dirty="0" err="1" smtClean="0"/>
               <a:t>виджетами</a:t>
             </a:r>
             <a:r>
-              <a:rPr lang="ru-RU" dirty="0" smtClean="0"/>
+              <a:rPr lang="ru-RU" b="1" dirty="0" smtClean="0"/>
               <a:t>, создавать дизайн приложения, структуру проекта. </a:t>
             </a:r>
           </a:p>
           <a:p>
             <a:r>
-              <a:rPr lang="ru-RU" dirty="0" smtClean="0"/>
-              <a:t>В будущем я бы хотел создавать более сложные структуры баз данных, использовать не изученные ранее </a:t>
-            </a:r>
-            <a:r>
-              <a:rPr lang="ru-RU" dirty="0" err="1" smtClean="0"/>
+              <a:rPr lang="ru-RU" b="1" dirty="0" smtClean="0"/>
+              <a:t>В будущем я бы хотел создавать более сложные структуры баз данных, использовать </a:t>
+            </a:r>
+            <a:r>
+              <a:rPr lang="ru-RU" b="1" dirty="0" smtClean="0"/>
+              <a:t>новые </a:t>
+            </a:r>
+            <a:r>
+              <a:rPr lang="ru-RU" b="1" dirty="0" err="1" smtClean="0"/>
               <a:t>виджеты</a:t>
             </a:r>
             <a:r>
-              <a:rPr lang="ru-RU" dirty="0" smtClean="0"/>
-              <a:t> и строить еще более сложную структуру проекта, разделённую на классы и функции.</a:t>
-            </a:r>
-            <a:endParaRPr lang="ru-RU" dirty="0"/>
+              <a:rPr lang="ru-RU" b="1" dirty="0" smtClean="0"/>
+              <a:t> </a:t>
+            </a:r>
+            <a:r>
+              <a:rPr lang="ru-RU" b="1" dirty="0" smtClean="0"/>
+              <a:t>и строить еще более сложную структуру проекта, разделённую на классы и функции.</a:t>
+            </a:r>
+            <a:endParaRPr lang="ru-RU" b="1" dirty="0"/>
           </a:p>
         </p:txBody>
       </p:sp>
@@ -4052,17 +4056,18 @@
           <a:p>
             <a:r>
               <a:rPr lang="ru-RU" b="1" dirty="0"/>
-              <a:t>Структура проекта реализована с помощь 4 классов. Четыре класса реализуют работу оконных </a:t>
-            </a:r>
+              <a:t>Структура проекта реализована с помощь 4 классов. </a:t>
+            </a:r>
+            <a:endParaRPr lang="ru-RU" b="1" dirty="0" smtClean="0"/>
+          </a:p>
+          <a:p>
             <a:r>
               <a:rPr lang="ru-RU" b="1" dirty="0" smtClean="0"/>
-              <a:t>приложений.</a:t>
-            </a:r>
-          </a:p>
-          <a:p>
+              <a:t>Первый </a:t>
+            </a:r>
             <a:r>
               <a:rPr lang="ru-RU" b="1" dirty="0" smtClean="0"/>
-              <a:t>Первый класс реализует регистрацию и авторизацию в приложении</a:t>
+              <a:t>класс реализует регистрацию и авторизацию в приложении</a:t>
             </a:r>
           </a:p>
         </p:txBody>
@@ -4184,7 +4189,7 @@
           <a:p>
             <a:r>
               <a:rPr lang="ru-RU" b="1" dirty="0" smtClean="0"/>
-              <a:t>Второй класс отвечает за отображение каталога товаров и добавления их в корзину. Так же реализована сортировка по цене и поиск по названию</a:t>
+              <a:t>Второй класс отвечает за отображение каталога товаров и добавления их в корзину. </a:t>
             </a:r>
             <a:endParaRPr lang="ru-RU" b="1" dirty="0"/>
           </a:p>
@@ -4307,7 +4312,7 @@
           <a:p>
             <a:r>
               <a:rPr lang="ru-RU" b="1" dirty="0" smtClean="0"/>
-              <a:t>Третий класс реализует отображение корзины товаров. В корзине пользователь может изменять количество товаров в корзине и удалять предметы.</a:t>
+              <a:t>Третий класс реализует отображение корзины товаров. </a:t>
             </a:r>
             <a:endParaRPr lang="ru-RU" b="1" dirty="0"/>
           </a:p>
@@ -4522,7 +4527,7 @@
         </p:nvSpPr>
         <p:spPr>
           <a:xfrm>
-            <a:off x="693835" y="0"/>
+            <a:off x="713232" y="0"/>
             <a:ext cx="9692640" cy="1325562"/>
           </a:xfrm>
         </p:spPr>
@@ -4532,7 +4537,7 @@
           <a:p>
             <a:r>
               <a:rPr lang="ru-RU" dirty="0" smtClean="0"/>
-              <a:t>Особенности моего проекта</a:t>
+              <a:t>Базы данных</a:t>
             </a:r>
             <a:endParaRPr lang="ru-RU" dirty="0"/>
           </a:p>
@@ -4550,56 +4555,40 @@
         </p:nvSpPr>
         <p:spPr>
           <a:xfrm>
-            <a:off x="693835" y="1676400"/>
-            <a:ext cx="5138928" cy="4351337"/>
-          </a:xfrm>
-        </p:spPr>
-        <p:txBody>
-          <a:bodyPr/>
-          <a:lstStyle/>
-          <a:p>
-            <a:r>
-              <a:rPr lang="ru-RU" b="1" dirty="0"/>
-              <a:t>Особенностью моего проекта является красивый дизайн оконных приложений, работа сразу с несколькими базами данных </a:t>
-            </a:r>
-            <a:r>
-              <a:rPr lang="en-US" b="1" dirty="0"/>
-              <a:t>SQL</a:t>
-            </a:r>
-            <a:r>
-              <a:rPr lang="ru-RU" b="1" dirty="0"/>
-              <a:t>, которые связаны между собой. </a:t>
-            </a:r>
-          </a:p>
-          <a:p>
-            <a:endParaRPr lang="ru-RU" dirty="0"/>
+            <a:off x="713232" y="1634837"/>
+            <a:ext cx="4751000" cy="4351337"/>
+          </a:xfrm>
+        </p:spPr>
+        <p:txBody>
+          <a:bodyPr/>
+          <a:lstStyle/>
+          <a:p>
+            <a:r>
+              <a:rPr lang="ru-RU" b="1" dirty="0" smtClean="0"/>
+              <a:t>Для работы моего приложения используется база данных, в которой находятся 4 таблицы. </a:t>
+            </a:r>
+            <a:endParaRPr lang="ru-RU" b="1" dirty="0"/>
           </a:p>
         </p:txBody>
       </p:sp>
       <p:pic>
         <p:nvPicPr>
-          <p:cNvPr id="5" name="Рисунок 4"/>
+          <p:cNvPr id="4" name="Рисунок 3"/>
           <p:cNvPicPr>
             <a:picLocks noChangeAspect="1"/>
           </p:cNvPicPr>
           <p:nvPr/>
         </p:nvPicPr>
         <p:blipFill>
-          <a:blip r:embed="rId2">
-            <a:extLst>
-              <a:ext uri="{28A0092B-C50C-407E-A947-70E740481C1C}">
-                <a14:useLocalDpi xmlns:a14="http://schemas.microsoft.com/office/drawing/2010/main" val="0"/>
-              </a:ext>
-            </a:extLst>
-          </a:blip>
+          <a:blip r:embed="rId2"/>
           <a:stretch>
             <a:fillRect/>
           </a:stretch>
         </p:blipFill>
         <p:spPr>
           <a:xfrm>
-            <a:off x="5540155" y="2401580"/>
-            <a:ext cx="5104078" cy="3626157"/>
+            <a:off x="5014987" y="3172691"/>
+            <a:ext cx="4873385" cy="2290907"/>
           </a:xfrm>
           <a:prstGeom prst="rect">
             <a:avLst/>
@@ -4609,7 +4598,7 @@
     </p:spTree>
     <p:extLst>
       <p:ext uri="{BB962C8B-B14F-4D97-AF65-F5344CB8AC3E}">
-        <p14:creationId xmlns:p14="http://schemas.microsoft.com/office/powerpoint/2010/main" val="2659084810"/>
+        <p14:creationId xmlns:p14="http://schemas.microsoft.com/office/powerpoint/2010/main" val="664733717"/>
       </p:ext>
     </p:extLst>
   </p:cSld>
@@ -4655,7 +4644,7 @@
         </p:nvSpPr>
         <p:spPr>
           <a:xfrm>
-            <a:off x="713232" y="0"/>
+            <a:off x="707690" y="16918"/>
             <a:ext cx="9692640" cy="1325562"/>
           </a:xfrm>
         </p:spPr>
@@ -4683,19 +4672,61 @@
         </p:nvSpPr>
         <p:spPr>
           <a:xfrm>
-            <a:off x="713232" y="1634837"/>
-            <a:ext cx="4751000" cy="4351337"/>
-          </a:xfrm>
-        </p:spPr>
-        <p:txBody>
-          <a:bodyPr/>
-          <a:lstStyle/>
-          <a:p>
-            <a:r>
-              <a:rPr lang="ru-RU" b="1" dirty="0" smtClean="0"/>
-              <a:t>Для работы моего приложения используется база данных, в которой находятся 4 таблицы. </a:t>
-            </a:r>
-            <a:endParaRPr lang="ru-RU" b="1" dirty="0"/>
+            <a:off x="707690" y="1662545"/>
+            <a:ext cx="4543183" cy="4488174"/>
+          </a:xfrm>
+        </p:spPr>
+        <p:txBody>
+          <a:bodyPr/>
+          <a:lstStyle/>
+          <a:p>
+            <a:r>
+              <a:rPr lang="ru-RU" b="1" dirty="0"/>
+              <a:t>Две из них отвечают за хранение данных пользователей и информации о товарах. Две остальные за хранение данных о заказах.</a:t>
+            </a:r>
+            <a:r>
+              <a:rPr lang="en-US" b="1" dirty="0"/>
+              <a:t> </a:t>
+            </a:r>
+            <a:r>
+              <a:rPr lang="ru-RU" b="1" dirty="0"/>
+              <a:t>Таблица </a:t>
+            </a:r>
+            <a:r>
+              <a:rPr lang="en-US" b="1" dirty="0" err="1"/>
+              <a:t>order_items</a:t>
+            </a:r>
+            <a:r>
+              <a:rPr lang="en-US" b="1" dirty="0"/>
+              <a:t> </a:t>
+            </a:r>
+            <a:r>
+              <a:rPr lang="ru-RU" b="1" dirty="0"/>
+              <a:t>связана сразу с двумя таблицами – </a:t>
+            </a:r>
+            <a:r>
+              <a:rPr lang="en-US" b="1" dirty="0" err="1"/>
+              <a:t>price_list</a:t>
+            </a:r>
+            <a:r>
+              <a:rPr lang="en-US" b="1" dirty="0"/>
+              <a:t> </a:t>
+            </a:r>
+            <a:r>
+              <a:rPr lang="ru-RU" b="1" dirty="0"/>
+              <a:t>и </a:t>
+            </a:r>
+            <a:r>
+              <a:rPr lang="en-US" b="1" dirty="0"/>
+              <a:t>orders</a:t>
+            </a:r>
+            <a:r>
+              <a:rPr lang="ru-RU" b="1" dirty="0"/>
+              <a:t>.</a:t>
+            </a:r>
+          </a:p>
+          <a:p>
+            <a:endParaRPr lang="ru-RU" dirty="0"/>
           </a:p>
         </p:txBody>
       </p:sp>
@@ -4715,18 +4746,153 @@
         </p:blipFill>
         <p:spPr>
           <a:xfrm>
-            <a:off x="5014987" y="3172691"/>
-            <a:ext cx="4873385" cy="2290907"/>
+            <a:off x="6337705" y="1951782"/>
+            <a:ext cx="4339716" cy="1801391"/>
           </a:xfrm>
           <a:prstGeom prst="rect">
             <a:avLst/>
           </a:prstGeom>
         </p:spPr>
       </p:pic>
+      <p:pic>
+        <p:nvPicPr>
+          <p:cNvPr id="5" name="Рисунок 4"/>
+          <p:cNvPicPr>
+            <a:picLocks noChangeAspect="1"/>
+          </p:cNvPicPr>
+          <p:nvPr/>
+        </p:nvPicPr>
+        <p:blipFill>
+          <a:blip r:embed="rId3"/>
+          <a:stretch>
+            <a:fillRect/>
+          </a:stretch>
+        </p:blipFill>
+        <p:spPr>
+          <a:xfrm>
+            <a:off x="1652818" y="4520624"/>
+            <a:ext cx="4267562" cy="1725852"/>
+          </a:xfrm>
+          <a:prstGeom prst="rect">
+            <a:avLst/>
+          </a:prstGeom>
+        </p:spPr>
+      </p:pic>
+      <p:pic>
+        <p:nvPicPr>
+          <p:cNvPr id="7" name="Рисунок 6"/>
+          <p:cNvPicPr>
+            <a:picLocks noChangeAspect="1"/>
+          </p:cNvPicPr>
+          <p:nvPr/>
+        </p:nvPicPr>
+        <p:blipFill>
+          <a:blip r:embed="rId4"/>
+          <a:stretch>
+            <a:fillRect/>
+          </a:stretch>
+        </p:blipFill>
+        <p:spPr>
+          <a:xfrm>
+            <a:off x="6337705" y="4520624"/>
+            <a:ext cx="4496716" cy="1725852"/>
+          </a:xfrm>
+          <a:prstGeom prst="rect">
+            <a:avLst/>
+          </a:prstGeom>
+        </p:spPr>
+      </p:pic>
+      <p:sp>
+        <p:nvSpPr>
+          <p:cNvPr id="8" name="Прямоугольник 7"/>
+          <p:cNvSpPr/>
+          <p:nvPr/>
+        </p:nvSpPr>
+        <p:spPr>
+          <a:xfrm>
+            <a:off x="6302319" y="1317847"/>
+            <a:ext cx="1622481" cy="369332"/>
+          </a:xfrm>
+          <a:prstGeom prst="rect">
+            <a:avLst/>
+          </a:prstGeom>
+        </p:spPr>
+        <p:txBody>
+          <a:bodyPr wrap="square">
+            <a:spAutoFit/>
+          </a:bodyPr>
+          <a:lstStyle/>
+          <a:p>
+            <a:r>
+              <a:rPr lang="en-US" b="1" dirty="0" err="1" smtClean="0"/>
+              <a:t>order_items</a:t>
+            </a:r>
+            <a:endParaRPr lang="ru-RU" b="1" dirty="0"/>
+          </a:p>
+        </p:txBody>
+      </p:sp>
+      <p:sp>
+        <p:nvSpPr>
+          <p:cNvPr id="9" name="Прямоугольник 8"/>
+          <p:cNvSpPr/>
+          <p:nvPr/>
+        </p:nvSpPr>
+        <p:spPr>
+          <a:xfrm>
+            <a:off x="1685016" y="3991260"/>
+            <a:ext cx="1300356" cy="369332"/>
+          </a:xfrm>
+          <a:prstGeom prst="rect">
+            <a:avLst/>
+          </a:prstGeom>
+        </p:spPr>
+        <p:txBody>
+          <a:bodyPr wrap="none">
+            <a:spAutoFit/>
+          </a:bodyPr>
+          <a:lstStyle/>
+          <a:p>
+            <a:r>
+              <a:rPr lang="en-US" b="1" dirty="0" err="1"/>
+              <a:t>price_list</a:t>
+            </a:r>
+            <a:endParaRPr lang="ru-RU" b="1" dirty="0"/>
+          </a:p>
+        </p:txBody>
+      </p:sp>
+      <p:sp>
+        <p:nvSpPr>
+          <p:cNvPr id="10" name="Прямоугольник 9"/>
+          <p:cNvSpPr/>
+          <p:nvPr/>
+        </p:nvSpPr>
+        <p:spPr>
+          <a:xfrm>
+            <a:off x="6645224" y="3991260"/>
+            <a:ext cx="968535" cy="369332"/>
+          </a:xfrm>
+          <a:prstGeom prst="rect">
+            <a:avLst/>
+          </a:prstGeom>
+        </p:spPr>
+        <p:txBody>
+          <a:bodyPr wrap="none">
+            <a:spAutoFit/>
+          </a:bodyPr>
+          <a:lstStyle/>
+          <a:p>
+            <a:r>
+              <a:rPr lang="en-US" b="1" dirty="0"/>
+              <a:t>orders</a:t>
+            </a:r>
+            <a:endParaRPr lang="ru-RU" b="1" dirty="0"/>
+          </a:p>
+        </p:txBody>
+      </p:sp>
     </p:spTree>
     <p:extLst>
       <p:ext uri="{BB962C8B-B14F-4D97-AF65-F5344CB8AC3E}">
-        <p14:creationId xmlns:p14="http://schemas.microsoft.com/office/powerpoint/2010/main" val="664733717"/>
+        <p14:creationId xmlns:p14="http://schemas.microsoft.com/office/powerpoint/2010/main" val="1689927644"/>
       </p:ext>
     </p:extLst>
   </p:cSld>
@@ -4772,7 +4938,7 @@
         </p:nvSpPr>
         <p:spPr>
           <a:xfrm>
-            <a:off x="707690" y="16918"/>
+            <a:off x="693835" y="0"/>
             <a:ext cx="9692640" cy="1325562"/>
           </a:xfrm>
         </p:spPr>
@@ -4782,7 +4948,7 @@
           <a:p>
             <a:r>
               <a:rPr lang="ru-RU" dirty="0" smtClean="0"/>
-              <a:t>Базы данных</a:t>
+              <a:t>Особенности моего проекта</a:t>
             </a:r>
             <a:endParaRPr lang="ru-RU" dirty="0"/>
           </a:p>
@@ -4800,8 +4966,8 @@
         </p:nvSpPr>
         <p:spPr>
           <a:xfrm>
-            <a:off x="707690" y="1662545"/>
-            <a:ext cx="4543183" cy="4488174"/>
+            <a:off x="693835" y="1676400"/>
+            <a:ext cx="5138928" cy="4351337"/>
           </a:xfrm>
         </p:spPr>
         <p:txBody>
@@ -4810,47 +4976,15 @@
           <a:p>
             <a:r>
               <a:rPr lang="ru-RU" b="1" dirty="0"/>
-              <a:t>Две из них отвечают за хранение данных пользователей и информации о товарах. Две остальные за хранение данных о заказах.</a:t>
+              <a:t>Особенностью моего проекта является красивый дизайн оконных приложений, работа сразу с несколькими базами данных </a:t>
             </a:r>
             <a:r>
               <a:rPr lang="en-US" b="1" dirty="0"/>
-              <a:t> </a:t>
+              <a:t>SQL</a:t>
             </a:r>
             <a:r>
               <a:rPr lang="ru-RU" b="1" dirty="0"/>
-              <a:t>Таблица </a:t>
-            </a:r>
-            <a:r>
-              <a:rPr lang="en-US" b="1" dirty="0" err="1"/>
-              <a:t>order_items</a:t>
-            </a:r>
-            <a:r>
-              <a:rPr lang="en-US" b="1" dirty="0"/>
-              <a:t> </a:t>
-            </a:r>
-            <a:r>
-              <a:rPr lang="ru-RU" b="1" dirty="0"/>
-              <a:t>связана сразу с двумя таблицами – </a:t>
-            </a:r>
-            <a:r>
-              <a:rPr lang="en-US" b="1" dirty="0" err="1"/>
-              <a:t>price_list</a:t>
-            </a:r>
-            <a:r>
-              <a:rPr lang="en-US" b="1" dirty="0"/>
-              <a:t> </a:t>
-            </a:r>
-            <a:r>
-              <a:rPr lang="ru-RU" b="1" dirty="0"/>
-              <a:t>и </a:t>
-            </a:r>
-            <a:r>
-              <a:rPr lang="en-US" b="1" dirty="0"/>
-              <a:t>orders</a:t>
-            </a:r>
-            <a:r>
-              <a:rPr lang="ru-RU" b="1" dirty="0"/>
-              <a:t>.</a:t>
+              <a:t>, которые связаны между собой. </a:t>
             </a:r>
           </a:p>
           <a:p>
@@ -4858,30 +4992,6 @@
           </a:p>
         </p:txBody>
       </p:sp>
-      <p:pic>
-        <p:nvPicPr>
-          <p:cNvPr id="4" name="Рисунок 3"/>
-          <p:cNvPicPr>
-            <a:picLocks noChangeAspect="1"/>
-          </p:cNvPicPr>
-          <p:nvPr/>
-        </p:nvPicPr>
-        <p:blipFill>
-          <a:blip r:embed="rId2"/>
-          <a:stretch>
-            <a:fillRect/>
-          </a:stretch>
-        </p:blipFill>
-        <p:spPr>
-          <a:xfrm>
-            <a:off x="6337705" y="1951782"/>
-            <a:ext cx="4339716" cy="1801391"/>
-          </a:xfrm>
-          <a:prstGeom prst="rect">
-            <a:avLst/>
-          </a:prstGeom>
-        </p:spPr>
-      </p:pic>
       <p:pic>
         <p:nvPicPr>
           <p:cNvPr id="5" name="Рисунок 4"/>
@@ -4891,136 +5001,31 @@
           <p:nvPr/>
         </p:nvPicPr>
         <p:blipFill>
-          <a:blip r:embed="rId3"/>
+          <a:blip r:embed="rId2">
+            <a:extLst>
+              <a:ext uri="{28A0092B-C50C-407E-A947-70E740481C1C}">
+                <a14:useLocalDpi xmlns:a14="http://schemas.microsoft.com/office/drawing/2010/main" val="0"/>
+              </a:ext>
+            </a:extLst>
+          </a:blip>
           <a:stretch>
             <a:fillRect/>
           </a:stretch>
         </p:blipFill>
         <p:spPr>
           <a:xfrm>
-            <a:off x="1652818" y="4520624"/>
-            <a:ext cx="4267562" cy="1725852"/>
+            <a:off x="5540155" y="2401580"/>
+            <a:ext cx="5104078" cy="3626157"/>
           </a:xfrm>
           <a:prstGeom prst="rect">
             <a:avLst/>
           </a:prstGeom>
         </p:spPr>
       </p:pic>
-      <p:pic>
-        <p:nvPicPr>
-          <p:cNvPr id="7" name="Рисунок 6"/>
-          <p:cNvPicPr>
-            <a:picLocks noChangeAspect="1"/>
-          </p:cNvPicPr>
-          <p:nvPr/>
-        </p:nvPicPr>
-        <p:blipFill>
-          <a:blip r:embed="rId4"/>
-          <a:stretch>
-            <a:fillRect/>
-          </a:stretch>
-        </p:blipFill>
-        <p:spPr>
-          <a:xfrm>
-            <a:off x="6337705" y="4520624"/>
-            <a:ext cx="4496716" cy="1725852"/>
-          </a:xfrm>
-          <a:prstGeom prst="rect">
-            <a:avLst/>
-          </a:prstGeom>
-        </p:spPr>
-      </p:pic>
-      <p:sp>
-        <p:nvSpPr>
-          <p:cNvPr id="8" name="Прямоугольник 7"/>
-          <p:cNvSpPr/>
-          <p:nvPr/>
-        </p:nvSpPr>
-        <p:spPr>
-          <a:xfrm>
-            <a:off x="6302319" y="1317847"/>
-            <a:ext cx="1622481" cy="369332"/>
-          </a:xfrm>
-          <a:prstGeom prst="rect">
-            <a:avLst/>
-          </a:prstGeom>
-        </p:spPr>
-        <p:txBody>
-          <a:bodyPr wrap="square">
-            <a:spAutoFit/>
-          </a:bodyPr>
-          <a:lstStyle/>
-          <a:p>
-            <a:r>
-              <a:rPr lang="en-US" b="1" dirty="0" err="1" smtClean="0"/>
-              <a:t>order_items</a:t>
-            </a:r>
-            <a:endParaRPr lang="ru-RU" b="1" dirty="0"/>
-          </a:p>
-        </p:txBody>
-      </p:sp>
-      <p:sp>
-        <p:nvSpPr>
-          <p:cNvPr id="9" name="Прямоугольник 8"/>
-          <p:cNvSpPr/>
-          <p:nvPr/>
-        </p:nvSpPr>
-        <p:spPr>
-          <a:xfrm>
-            <a:off x="1685016" y="3991260"/>
-            <a:ext cx="1300356" cy="369332"/>
-          </a:xfrm>
-          <a:prstGeom prst="rect">
-            <a:avLst/>
-          </a:prstGeom>
-        </p:spPr>
-        <p:txBody>
-          <a:bodyPr wrap="none">
-            <a:spAutoFit/>
-          </a:bodyPr>
-          <a:lstStyle/>
-          <a:p>
-            <a:r>
-              <a:rPr lang="en-US" b="1" dirty="0" err="1"/>
-              <a:t>price_list</a:t>
-            </a:r>
-            <a:endParaRPr lang="ru-RU" b="1" dirty="0"/>
-          </a:p>
-        </p:txBody>
-      </p:sp>
-      <p:sp>
-        <p:nvSpPr>
-          <p:cNvPr id="10" name="Прямоугольник 9"/>
-          <p:cNvSpPr/>
-          <p:nvPr/>
-        </p:nvSpPr>
-        <p:spPr>
-          <a:xfrm>
-            <a:off x="6645224" y="3991260"/>
-            <a:ext cx="968535" cy="369332"/>
-          </a:xfrm>
-          <a:prstGeom prst="rect">
-            <a:avLst/>
-          </a:prstGeom>
-        </p:spPr>
-        <p:txBody>
-          <a:bodyPr wrap="none">
-            <a:spAutoFit/>
-          </a:bodyPr>
-          <a:lstStyle/>
-          <a:p>
-            <a:r>
-              <a:rPr lang="en-US" b="1" dirty="0"/>
-              <a:t>orders</a:t>
-            </a:r>
-            <a:endParaRPr lang="ru-RU" b="1" dirty="0"/>
-          </a:p>
-        </p:txBody>
-      </p:sp>
     </p:spTree>
     <p:extLst>
       <p:ext uri="{BB962C8B-B14F-4D97-AF65-F5344CB8AC3E}">
-        <p14:creationId xmlns:p14="http://schemas.microsoft.com/office/powerpoint/2010/main" val="1689927644"/>
+        <p14:creationId xmlns:p14="http://schemas.microsoft.com/office/powerpoint/2010/main" val="2659084810"/>
       </p:ext>
     </p:extLst>
   </p:cSld>
